--- a/04_PHP_OOP_and_MVC/05_oop_SOLID/Slides/solid.pptx
+++ b/04_PHP_OOP_and_MVC/05_oop_SOLID/Slides/solid.pptx
@@ -41,16 +41,16 @@
   <p:notesSz cx="6858000" cy="9144000"/>
   <p:embeddedFontLst>
     <p:embeddedFont>
-      <p:font typeface="Calibri" panose="020F0502020204030204" pitchFamily="34" charset="0"/>
+      <p:font typeface="Syncopate" panose="020B0604020202020204" charset="0"/>
       <p:regular r:id="rId31"/>
       <p:bold r:id="rId32"/>
-      <p:italic r:id="rId33"/>
-      <p:boldItalic r:id="rId34"/>
     </p:embeddedFont>
     <p:embeddedFont>
-      <p:font typeface="Syncopate" panose="020B0604020202020204" charset="0"/>
-      <p:regular r:id="rId35"/>
-      <p:bold r:id="rId36"/>
+      <p:font typeface="Calibri" panose="020F0502020204030204" pitchFamily="34" charset="0"/>
+      <p:regular r:id="rId33"/>
+      <p:bold r:id="rId34"/>
+      <p:italic r:id="rId35"/>
+      <p:boldItalic r:id="rId36"/>
     </p:embeddedFont>
   </p:embeddedFontLst>
   <p:defaultTextStyle>
@@ -16851,7 +16851,55 @@
                   <a:srgbClr val="434343"/>
                 </a:solidFill>
               </a:rPr>
-              <a:t>    public function area() {</a:t>
+              <a:t>    public </a:t>
+            </a:r>
+            <a:r>
+              <a:rPr lang="en" sz="1100" dirty="0" smtClean="0">
+                <a:solidFill>
+                  <a:srgbClr val="434343"/>
+                </a:solidFill>
+              </a:rPr>
+              <a:t>function</a:t>
+            </a:r>
+            <a:r>
+              <a:rPr lang="en-US" sz="1100" dirty="0" smtClean="0">
+                <a:solidFill>
+                  <a:srgbClr val="434343"/>
+                </a:solidFill>
+              </a:rPr>
+              <a:t> </a:t>
+            </a:r>
+            <a:r>
+              <a:rPr lang="en-US" sz="1100" dirty="0" err="1" smtClean="0">
+                <a:solidFill>
+                  <a:srgbClr val="434343"/>
+                </a:solidFill>
+              </a:rPr>
+              <a:t>calc_area</a:t>
+            </a:r>
+            <a:r>
+              <a:rPr lang="en-US" sz="1100" dirty="0" smtClean="0">
+                <a:solidFill>
+                  <a:srgbClr val="434343"/>
+                </a:solidFill>
+              </a:rPr>
+              <a:t>()</a:t>
+            </a:r>
+            <a:r>
+              <a:rPr lang="en" sz="1100" dirty="0" smtClean="0">
+                <a:solidFill>
+                  <a:srgbClr val="434343"/>
+                </a:solidFill>
+              </a:rPr>
+              <a:t> </a:t>
+            </a:r>
+            <a:r>
+              <a:rPr lang="en" sz="1100" dirty="0">
+                <a:solidFill>
+                  <a:srgbClr val="434343"/>
+                </a:solidFill>
+              </a:rPr>
+              <a:t>{</a:t>
             </a:r>
             <a:br>
               <a:rPr lang="en" sz="1100" dirty="0">
@@ -23646,7 +23694,55 @@
                   <a:srgbClr val="434343"/>
                 </a:solidFill>
               </a:rPr>
-              <a:t>    public function area();</a:t>
+              <a:t>    public </a:t>
+            </a:r>
+            <a:r>
+              <a:rPr lang="en" sz="1200" dirty="0" smtClean="0">
+                <a:solidFill>
+                  <a:srgbClr val="434343"/>
+                </a:solidFill>
+              </a:rPr>
+              <a:t>function</a:t>
+            </a:r>
+            <a:r>
+              <a:rPr lang="en-US" sz="1200" dirty="0" smtClean="0">
+                <a:solidFill>
+                  <a:srgbClr val="434343"/>
+                </a:solidFill>
+              </a:rPr>
+              <a:t> </a:t>
+            </a:r>
+            <a:r>
+              <a:rPr lang="en-US" sz="1200" dirty="0" err="1" smtClean="0">
+                <a:solidFill>
+                  <a:srgbClr val="434343"/>
+                </a:solidFill>
+              </a:rPr>
+              <a:t>calc_area</a:t>
+            </a:r>
+            <a:r>
+              <a:rPr lang="en-US" sz="1200" dirty="0" smtClean="0">
+                <a:solidFill>
+                  <a:srgbClr val="434343"/>
+                </a:solidFill>
+              </a:rPr>
+              <a:t>()</a:t>
+            </a:r>
+            <a:r>
+              <a:rPr lang="en" sz="1200" dirty="0" smtClean="0">
+                <a:solidFill>
+                  <a:srgbClr val="434343"/>
+                </a:solidFill>
+              </a:rPr>
+              <a:t>;</a:t>
+            </a:r>
+            <a:r>
+              <a:rPr lang="en" sz="1200" dirty="0">
+                <a:solidFill>
+                  <a:srgbClr val="434343"/>
+                </a:solidFill>
+              </a:rPr>
+              <a:t/>
             </a:r>
             <a:br>
               <a:rPr lang="en" sz="1200" dirty="0">
@@ -23706,7 +23802,55 @@
                   <a:srgbClr val="434343"/>
                 </a:solidFill>
               </a:rPr>
-              <a:t>    public function volume();</a:t>
+              <a:t>    public </a:t>
+            </a:r>
+            <a:r>
+              <a:rPr lang="en" sz="1200" dirty="0" smtClean="0">
+                <a:solidFill>
+                  <a:srgbClr val="434343"/>
+                </a:solidFill>
+              </a:rPr>
+              <a:t>function</a:t>
+            </a:r>
+            <a:r>
+              <a:rPr lang="en-US" sz="1200" dirty="0" smtClean="0">
+                <a:solidFill>
+                  <a:srgbClr val="434343"/>
+                </a:solidFill>
+              </a:rPr>
+              <a:t> </a:t>
+            </a:r>
+            <a:r>
+              <a:rPr lang="en-US" sz="1200" dirty="0" err="1" smtClean="0">
+                <a:solidFill>
+                  <a:srgbClr val="434343"/>
+                </a:solidFill>
+              </a:rPr>
+              <a:t>calc_volume</a:t>
+            </a:r>
+            <a:r>
+              <a:rPr lang="en-US" sz="1200" dirty="0" smtClean="0">
+                <a:solidFill>
+                  <a:srgbClr val="434343"/>
+                </a:solidFill>
+              </a:rPr>
+              <a:t>()</a:t>
+            </a:r>
+            <a:r>
+              <a:rPr lang="en" sz="1200" dirty="0" smtClean="0">
+                <a:solidFill>
+                  <a:srgbClr val="434343"/>
+                </a:solidFill>
+              </a:rPr>
+              <a:t>;</a:t>
+            </a:r>
+            <a:r>
+              <a:rPr lang="en" sz="1200" dirty="0">
+                <a:solidFill>
+                  <a:srgbClr val="434343"/>
+                </a:solidFill>
+              </a:rPr>
+              <a:t/>
             </a:r>
             <a:br>
               <a:rPr lang="en" sz="1200" dirty="0">
@@ -23775,7 +23919,55 @@
                   <a:srgbClr val="434343"/>
                 </a:solidFill>
               </a:rPr>
-              <a:t>    public function area() {</a:t>
+              <a:t>    public </a:t>
+            </a:r>
+            <a:r>
+              <a:rPr lang="en" sz="1200" dirty="0" smtClean="0">
+                <a:solidFill>
+                  <a:srgbClr val="434343"/>
+                </a:solidFill>
+              </a:rPr>
+              <a:t>function</a:t>
+            </a:r>
+            <a:r>
+              <a:rPr lang="en-US" sz="1200" dirty="0" smtClean="0">
+                <a:solidFill>
+                  <a:srgbClr val="434343"/>
+                </a:solidFill>
+              </a:rPr>
+              <a:t> </a:t>
+            </a:r>
+            <a:r>
+              <a:rPr lang="en-US" sz="1200" dirty="0" err="1" smtClean="0">
+                <a:solidFill>
+                  <a:srgbClr val="434343"/>
+                </a:solidFill>
+              </a:rPr>
+              <a:t>calc_area</a:t>
+            </a:r>
+            <a:r>
+              <a:rPr lang="en-US" sz="1200" dirty="0" smtClean="0">
+                <a:solidFill>
+                  <a:srgbClr val="434343"/>
+                </a:solidFill>
+              </a:rPr>
+              <a:t>()</a:t>
+            </a:r>
+            <a:r>
+              <a:rPr lang="en" sz="1200" dirty="0" smtClean="0">
+                <a:solidFill>
+                  <a:srgbClr val="434343"/>
+                </a:solidFill>
+              </a:rPr>
+              <a:t> </a:t>
+            </a:r>
+            <a:r>
+              <a:rPr lang="en" sz="1200" dirty="0">
+                <a:solidFill>
+                  <a:srgbClr val="434343"/>
+                </a:solidFill>
+              </a:rPr>
+              <a:t>{</a:t>
             </a:r>
             <a:br>
               <a:rPr lang="en" sz="1200" dirty="0">
@@ -23835,7 +24027,55 @@
                   <a:srgbClr val="434343"/>
                 </a:solidFill>
               </a:rPr>
-              <a:t>    public function volume() {</a:t>
+              <a:t>    public </a:t>
+            </a:r>
+            <a:r>
+              <a:rPr lang="en" sz="1200" dirty="0" smtClean="0">
+                <a:solidFill>
+                  <a:srgbClr val="434343"/>
+                </a:solidFill>
+              </a:rPr>
+              <a:t>function</a:t>
+            </a:r>
+            <a:r>
+              <a:rPr lang="en-US" sz="1200" dirty="0" smtClean="0">
+                <a:solidFill>
+                  <a:srgbClr val="434343"/>
+                </a:solidFill>
+              </a:rPr>
+              <a:t> </a:t>
+            </a:r>
+            <a:r>
+              <a:rPr lang="en-US" sz="1200" dirty="0" err="1" smtClean="0">
+                <a:solidFill>
+                  <a:srgbClr val="434343"/>
+                </a:solidFill>
+              </a:rPr>
+              <a:t>calc_volume</a:t>
+            </a:r>
+            <a:r>
+              <a:rPr lang="en-US" sz="1200" dirty="0" smtClean="0">
+                <a:solidFill>
+                  <a:srgbClr val="434343"/>
+                </a:solidFill>
+              </a:rPr>
+              <a:t>()</a:t>
+            </a:r>
+            <a:r>
+              <a:rPr lang="en" sz="1200" dirty="0" smtClean="0">
+                <a:solidFill>
+                  <a:srgbClr val="434343"/>
+                </a:solidFill>
+              </a:rPr>
+              <a:t> </a:t>
+            </a:r>
+            <a:r>
+              <a:rPr lang="en" sz="1200" dirty="0">
+                <a:solidFill>
+                  <a:srgbClr val="434343"/>
+                </a:solidFill>
+              </a:rPr>
+              <a:t>{</a:t>
             </a:r>
             <a:br>
               <a:rPr lang="en" sz="1200" dirty="0">
@@ -27558,270 +27798,270 @@
               <a:buNone/>
             </a:pPr>
             <a:r>
-              <a:rPr lang="en" sz="1000"/>
+              <a:rPr lang="en" sz="1000" dirty="0"/>
               <a:t>class AreaCalculator {</a:t>
             </a:r>
-            <a:endParaRPr sz="1000"/>
-          </a:p>
-          <a:p>
-            <a:pPr marL="0" lvl="0" indent="0" algn="l" rtl="0">
-              <a:spcBef>
-                <a:spcPts val="0"/>
-              </a:spcBef>
-              <a:spcAft>
-                <a:spcPts val="0"/>
-              </a:spcAft>
-              <a:buNone/>
-            </a:pPr>
-            <a:endParaRPr sz="1000"/>
-          </a:p>
-          <a:p>
-            <a:pPr marL="0" lvl="0" indent="0" algn="l" rtl="0">
-              <a:spcBef>
-                <a:spcPts val="0"/>
-              </a:spcBef>
-              <a:spcAft>
-                <a:spcPts val="0"/>
-              </a:spcAft>
-              <a:buNone/>
-            </a:pPr>
-            <a:r>
-              <a:rPr lang="en" sz="1000"/>
+            <a:endParaRPr sz="1000" dirty="0"/>
+          </a:p>
+          <a:p>
+            <a:pPr marL="0" lvl="0" indent="0" algn="l" rtl="0">
+              <a:spcBef>
+                <a:spcPts val="0"/>
+              </a:spcBef>
+              <a:spcAft>
+                <a:spcPts val="0"/>
+              </a:spcAft>
+              <a:buNone/>
+            </a:pPr>
+            <a:endParaRPr sz="1000" dirty="0"/>
+          </a:p>
+          <a:p>
+            <a:pPr marL="0" lvl="0" indent="0" algn="l" rtl="0">
+              <a:spcBef>
+                <a:spcPts val="0"/>
+              </a:spcBef>
+              <a:spcAft>
+                <a:spcPts val="0"/>
+              </a:spcAft>
+              <a:buNone/>
+            </a:pPr>
+            <a:r>
+              <a:rPr lang="en" sz="1000" dirty="0"/>
               <a:t>	protected $shapes;</a:t>
             </a:r>
-            <a:endParaRPr sz="1000"/>
-          </a:p>
-          <a:p>
-            <a:pPr marL="0" lvl="0" indent="0" algn="l" rtl="0">
-              <a:spcBef>
-                <a:spcPts val="0"/>
-              </a:spcBef>
-              <a:spcAft>
-                <a:spcPts val="0"/>
-              </a:spcAft>
-              <a:buNone/>
-            </a:pPr>
-            <a:endParaRPr sz="1000"/>
-          </a:p>
-          <a:p>
-            <a:pPr marL="0" lvl="0" indent="0" algn="l" rtl="0">
-              <a:spcBef>
-                <a:spcPts val="0"/>
-              </a:spcBef>
-              <a:spcAft>
-                <a:spcPts val="0"/>
-              </a:spcAft>
-              <a:buNone/>
-            </a:pPr>
-            <a:r>
-              <a:rPr lang="en" sz="1000"/>
+            <a:endParaRPr sz="1000" dirty="0"/>
+          </a:p>
+          <a:p>
+            <a:pPr marL="0" lvl="0" indent="0" algn="l" rtl="0">
+              <a:spcBef>
+                <a:spcPts val="0"/>
+              </a:spcBef>
+              <a:spcAft>
+                <a:spcPts val="0"/>
+              </a:spcAft>
+              <a:buNone/>
+            </a:pPr>
+            <a:endParaRPr sz="1000" dirty="0"/>
+          </a:p>
+          <a:p>
+            <a:pPr marL="0" lvl="0" indent="0" algn="l" rtl="0">
+              <a:spcBef>
+                <a:spcPts val="0"/>
+              </a:spcBef>
+              <a:spcAft>
+                <a:spcPts val="0"/>
+              </a:spcAft>
+              <a:buNone/>
+            </a:pPr>
+            <a:r>
+              <a:rPr lang="en" sz="1000" dirty="0"/>
               <a:t>	public function __construct($shapes = array()) {</a:t>
             </a:r>
-            <a:endParaRPr sz="1000"/>
-          </a:p>
-          <a:p>
-            <a:pPr marL="0" lvl="0" indent="0" algn="l" rtl="0">
-              <a:spcBef>
-                <a:spcPts val="0"/>
-              </a:spcBef>
-              <a:spcAft>
-                <a:spcPts val="0"/>
-              </a:spcAft>
-              <a:buNone/>
-            </a:pPr>
-            <a:r>
-              <a:rPr lang="en" sz="1000"/>
+            <a:endParaRPr sz="1000" dirty="0"/>
+          </a:p>
+          <a:p>
+            <a:pPr marL="0" lvl="0" indent="0" algn="l" rtl="0">
+              <a:spcBef>
+                <a:spcPts val="0"/>
+              </a:spcBef>
+              <a:spcAft>
+                <a:spcPts val="0"/>
+              </a:spcAft>
+              <a:buNone/>
+            </a:pPr>
+            <a:r>
+              <a:rPr lang="en" sz="1000" dirty="0"/>
               <a:t>    		$this-&gt;shapes = $shapes;</a:t>
             </a:r>
-            <a:endParaRPr sz="1000"/>
-          </a:p>
-          <a:p>
-            <a:pPr marL="0" lvl="0" indent="0" algn="l" rtl="0">
-              <a:spcBef>
-                <a:spcPts val="0"/>
-              </a:spcBef>
-              <a:spcAft>
-                <a:spcPts val="0"/>
-              </a:spcAft>
-              <a:buNone/>
-            </a:pPr>
-            <a:r>
-              <a:rPr lang="en" sz="1000"/>
+            <a:endParaRPr sz="1000" dirty="0"/>
+          </a:p>
+          <a:p>
+            <a:pPr marL="0" lvl="0" indent="0" algn="l" rtl="0">
+              <a:spcBef>
+                <a:spcPts val="0"/>
+              </a:spcBef>
+              <a:spcAft>
+                <a:spcPts val="0"/>
+              </a:spcAft>
+              <a:buNone/>
+            </a:pPr>
+            <a:r>
+              <a:rPr lang="en" sz="1000" dirty="0"/>
               <a:t>	}</a:t>
             </a:r>
-            <a:endParaRPr sz="1000"/>
-          </a:p>
-          <a:p>
-            <a:pPr marL="0" lvl="0" indent="0" algn="l" rtl="0">
-              <a:spcBef>
-                <a:spcPts val="0"/>
-              </a:spcBef>
-              <a:spcAft>
-                <a:spcPts val="0"/>
-              </a:spcAft>
-              <a:buNone/>
-            </a:pPr>
-            <a:endParaRPr sz="1000"/>
-          </a:p>
-          <a:p>
-            <a:pPr marL="0" lvl="0" indent="0" algn="l" rtl="0">
-              <a:spcBef>
-                <a:spcPts val="0"/>
-              </a:spcBef>
-              <a:spcAft>
-                <a:spcPts val="0"/>
-              </a:spcAft>
-              <a:buNone/>
-            </a:pPr>
-            <a:r>
-              <a:rPr lang="en" sz="1000"/>
+            <a:endParaRPr sz="1000" dirty="0"/>
+          </a:p>
+          <a:p>
+            <a:pPr marL="0" lvl="0" indent="0" algn="l" rtl="0">
+              <a:spcBef>
+                <a:spcPts val="0"/>
+              </a:spcBef>
+              <a:spcAft>
+                <a:spcPts val="0"/>
+              </a:spcAft>
+              <a:buNone/>
+            </a:pPr>
+            <a:endParaRPr sz="1000" dirty="0"/>
+          </a:p>
+          <a:p>
+            <a:pPr marL="0" lvl="0" indent="0" algn="l" rtl="0">
+              <a:spcBef>
+                <a:spcPts val="0"/>
+              </a:spcBef>
+              <a:spcAft>
+                <a:spcPts val="0"/>
+              </a:spcAft>
+              <a:buNone/>
+            </a:pPr>
+            <a:r>
+              <a:rPr lang="en" sz="1000" dirty="0"/>
               <a:t>	public function sum() {</a:t>
             </a:r>
-            <a:endParaRPr sz="1000"/>
-          </a:p>
-          <a:p>
-            <a:pPr marL="0" lvl="0" indent="0" algn="l" rtl="0">
-              <a:spcBef>
-                <a:spcPts val="0"/>
-              </a:spcBef>
-              <a:spcAft>
-                <a:spcPts val="0"/>
-              </a:spcAft>
-              <a:buNone/>
-            </a:pPr>
-            <a:r>
-              <a:rPr lang="en" sz="1000"/>
+            <a:endParaRPr sz="1000" dirty="0"/>
+          </a:p>
+          <a:p>
+            <a:pPr marL="0" lvl="0" indent="0" algn="l" rtl="0">
+              <a:spcBef>
+                <a:spcPts val="0"/>
+              </a:spcBef>
+              <a:spcAft>
+                <a:spcPts val="0"/>
+              </a:spcAft>
+              <a:buNone/>
+            </a:pPr>
+            <a:r>
+              <a:rPr lang="en" sz="1000" dirty="0"/>
               <a:t>    		// logic to calculate and sum the areas</a:t>
             </a:r>
-            <a:endParaRPr sz="1000"/>
-          </a:p>
-          <a:p>
-            <a:pPr marL="0" lvl="0" indent="0" algn="l" rtl="0">
-              <a:spcBef>
-                <a:spcPts val="0"/>
-              </a:spcBef>
-              <a:spcAft>
-                <a:spcPts val="0"/>
-              </a:spcAft>
-              <a:buNone/>
-            </a:pPr>
-            <a:r>
-              <a:rPr lang="en" sz="1000"/>
+            <a:endParaRPr sz="1000" dirty="0"/>
+          </a:p>
+          <a:p>
+            <a:pPr marL="0" lvl="0" indent="0" algn="l" rtl="0">
+              <a:spcBef>
+                <a:spcPts val="0"/>
+              </a:spcBef>
+              <a:spcAft>
+                <a:spcPts val="0"/>
+              </a:spcAft>
+              <a:buNone/>
+            </a:pPr>
+            <a:r>
+              <a:rPr lang="en" sz="1000" dirty="0"/>
               <a:t>	}</a:t>
             </a:r>
-            <a:endParaRPr sz="1000"/>
-          </a:p>
-          <a:p>
-            <a:pPr marL="0" lvl="0" indent="0" algn="l" rtl="0">
-              <a:spcBef>
-                <a:spcPts val="0"/>
-              </a:spcBef>
-              <a:spcAft>
-                <a:spcPts val="0"/>
-              </a:spcAft>
-              <a:buNone/>
-            </a:pPr>
-            <a:endParaRPr sz="1000"/>
-          </a:p>
-          <a:p>
-            <a:pPr marL="0" lvl="0" indent="0" algn="l" rtl="0">
-              <a:spcBef>
-                <a:spcPts val="0"/>
-              </a:spcBef>
-              <a:spcAft>
-                <a:spcPts val="0"/>
-              </a:spcAft>
-              <a:buNone/>
-            </a:pPr>
-            <a:r>
-              <a:rPr lang="en" sz="1000"/>
+            <a:endParaRPr sz="1000" dirty="0"/>
+          </a:p>
+          <a:p>
+            <a:pPr marL="0" lvl="0" indent="0" algn="l" rtl="0">
+              <a:spcBef>
+                <a:spcPts val="0"/>
+              </a:spcBef>
+              <a:spcAft>
+                <a:spcPts val="0"/>
+              </a:spcAft>
+              <a:buNone/>
+            </a:pPr>
+            <a:endParaRPr sz="1000" dirty="0"/>
+          </a:p>
+          <a:p>
+            <a:pPr marL="0" lvl="0" indent="0" algn="l" rtl="0">
+              <a:spcBef>
+                <a:spcPts val="0"/>
+              </a:spcBef>
+              <a:spcAft>
+                <a:spcPts val="0"/>
+              </a:spcAft>
+              <a:buNone/>
+            </a:pPr>
+            <a:r>
+              <a:rPr lang="en" sz="1000" dirty="0"/>
               <a:t>	public function output() {</a:t>
             </a:r>
-            <a:endParaRPr sz="1000"/>
-          </a:p>
-          <a:p>
-            <a:pPr marL="0" lvl="0" indent="0" algn="l" rtl="0">
-              <a:spcBef>
-                <a:spcPts val="0"/>
-              </a:spcBef>
-              <a:spcAft>
-                <a:spcPts val="0"/>
-              </a:spcAft>
-              <a:buNone/>
-            </a:pPr>
-            <a:r>
-              <a:rPr lang="en" sz="1000"/>
+            <a:endParaRPr sz="1000" dirty="0"/>
+          </a:p>
+          <a:p>
+            <a:pPr marL="0" lvl="0" indent="0" algn="l" rtl="0">
+              <a:spcBef>
+                <a:spcPts val="0"/>
+              </a:spcBef>
+              <a:spcAft>
+                <a:spcPts val="0"/>
+              </a:spcAft>
+              <a:buNone/>
+            </a:pPr>
+            <a:r>
+              <a:rPr lang="en" sz="1000" dirty="0"/>
               <a:t>    		return "Sum of the areas of provided shapes: ". $this-&gt;sum();</a:t>
             </a:r>
-            <a:endParaRPr sz="1000"/>
-          </a:p>
-          <a:p>
-            <a:pPr marL="0" lvl="0" indent="0" algn="l" rtl="0">
-              <a:spcBef>
-                <a:spcPts val="0"/>
-              </a:spcBef>
-              <a:spcAft>
-                <a:spcPts val="0"/>
-              </a:spcAft>
-              <a:buNone/>
-            </a:pPr>
-            <a:r>
-              <a:rPr lang="en" sz="1000"/>
+            <a:endParaRPr sz="1000" dirty="0"/>
+          </a:p>
+          <a:p>
+            <a:pPr marL="0" lvl="0" indent="0" algn="l" rtl="0">
+              <a:spcBef>
+                <a:spcPts val="0"/>
+              </a:spcBef>
+              <a:spcAft>
+                <a:spcPts val="0"/>
+              </a:spcAft>
+              <a:buNone/>
+            </a:pPr>
+            <a:r>
+              <a:rPr lang="en" sz="1000" dirty="0"/>
               <a:t>	}</a:t>
             </a:r>
-            <a:endParaRPr sz="1000"/>
-          </a:p>
-          <a:p>
-            <a:pPr marL="0" lvl="0" indent="0" algn="l" rtl="0">
-              <a:spcBef>
-                <a:spcPts val="0"/>
-              </a:spcBef>
-              <a:spcAft>
-                <a:spcPts val="0"/>
-              </a:spcAft>
-              <a:buNone/>
-            </a:pPr>
-            <a:r>
-              <a:rPr lang="en" sz="1000"/>
+            <a:endParaRPr sz="1000" dirty="0"/>
+          </a:p>
+          <a:p>
+            <a:pPr marL="0" lvl="0" indent="0" algn="l" rtl="0">
+              <a:spcBef>
+                <a:spcPts val="0"/>
+              </a:spcBef>
+              <a:spcAft>
+                <a:spcPts val="0"/>
+              </a:spcAft>
+              <a:buNone/>
+            </a:pPr>
+            <a:r>
+              <a:rPr lang="en" sz="1000" dirty="0"/>
               <a:t>}</a:t>
             </a:r>
-            <a:endParaRPr sz="1000"/>
-          </a:p>
-          <a:p>
-            <a:pPr marL="0" lvl="0" indent="0" algn="l" rtl="0">
-              <a:spcBef>
-                <a:spcPts val="0"/>
-              </a:spcBef>
-              <a:spcAft>
-                <a:spcPts val="0"/>
-              </a:spcAft>
-              <a:buNone/>
-            </a:pPr>
-            <a:endParaRPr sz="1000"/>
-          </a:p>
-          <a:p>
-            <a:pPr marL="0" lvl="0" indent="0" algn="l" rtl="0">
-              <a:spcBef>
-                <a:spcPts val="0"/>
-              </a:spcBef>
-              <a:spcAft>
-                <a:spcPts val="0"/>
-              </a:spcAft>
-              <a:buNone/>
-            </a:pPr>
-            <a:endParaRPr sz="1000"/>
-          </a:p>
-          <a:p>
-            <a:pPr marL="0" lvl="0" indent="0" algn="l" rtl="0">
-              <a:spcBef>
-                <a:spcPts val="0"/>
-              </a:spcBef>
-              <a:spcAft>
-                <a:spcPts val="0"/>
-              </a:spcAft>
-              <a:buNone/>
-            </a:pPr>
-            <a:endParaRPr sz="1000" b="1">
+            <a:endParaRPr sz="1000" dirty="0"/>
+          </a:p>
+          <a:p>
+            <a:pPr marL="0" lvl="0" indent="0" algn="l" rtl="0">
+              <a:spcBef>
+                <a:spcPts val="0"/>
+              </a:spcBef>
+              <a:spcAft>
+                <a:spcPts val="0"/>
+              </a:spcAft>
+              <a:buNone/>
+            </a:pPr>
+            <a:endParaRPr sz="1000" dirty="0"/>
+          </a:p>
+          <a:p>
+            <a:pPr marL="0" lvl="0" indent="0" algn="l" rtl="0">
+              <a:spcBef>
+                <a:spcPts val="0"/>
+              </a:spcBef>
+              <a:spcAft>
+                <a:spcPts val="0"/>
+              </a:spcAft>
+              <a:buNone/>
+            </a:pPr>
+            <a:endParaRPr sz="1000" dirty="0"/>
+          </a:p>
+          <a:p>
+            <a:pPr marL="0" lvl="0" indent="0" algn="l" rtl="0">
+              <a:spcBef>
+                <a:spcPts val="0"/>
+              </a:spcBef>
+              <a:spcAft>
+                <a:spcPts val="0"/>
+              </a:spcAft>
+              <a:buNone/>
+            </a:pPr>
+            <a:endParaRPr sz="1000" b="1" dirty="0">
               <a:solidFill>
                 <a:srgbClr val="38761D"/>
               </a:solidFill>
@@ -28027,10 +28267,10 @@
               <a:buChar char="-"/>
             </a:pPr>
             <a:r>
-              <a:rPr lang="en" sz="1000"/>
+              <a:rPr lang="en" sz="1000" dirty="0"/>
               <a:t>Създаваме обект от клас  AreaCalculator;</a:t>
             </a:r>
-            <a:endParaRPr sz="1000"/>
+            <a:endParaRPr sz="1000" dirty="0"/>
           </a:p>
           <a:p>
             <a:pPr marL="457200" lvl="0" indent="-292100" algn="l" rtl="0">
@@ -28044,10 +28284,10 @@
               <a:buChar char="-"/>
             </a:pPr>
             <a:r>
-              <a:rPr lang="en" sz="1000"/>
+              <a:rPr lang="en" sz="1000" dirty="0"/>
               <a:t>Подаваме му масив от геометрични фигури;</a:t>
             </a:r>
-            <a:endParaRPr sz="1000"/>
+            <a:endParaRPr sz="1000" dirty="0"/>
           </a:p>
           <a:p>
             <a:pPr marL="457200" lvl="0" indent="-292100" algn="l" rtl="0">
@@ -28061,34 +28301,34 @@
               <a:buChar char="-"/>
             </a:pPr>
             <a:r>
-              <a:rPr lang="en" sz="1000"/>
+              <a:rPr lang="en" sz="1000" dirty="0"/>
               <a:t>Отпечатваме сумата от площите</a:t>
             </a:r>
-            <a:endParaRPr sz="1000"/>
-          </a:p>
-          <a:p>
-            <a:pPr marL="0" lvl="0" indent="0" algn="l" rtl="0">
-              <a:spcBef>
-                <a:spcPts val="0"/>
-              </a:spcBef>
-              <a:spcAft>
-                <a:spcPts val="0"/>
-              </a:spcAft>
-              <a:buNone/>
-            </a:pPr>
-            <a:endParaRPr sz="1000"/>
-          </a:p>
-          <a:p>
-            <a:pPr marL="0" lvl="0" indent="0" algn="l" rtl="0">
-              <a:spcBef>
-                <a:spcPts val="0"/>
-              </a:spcBef>
-              <a:spcAft>
-                <a:spcPts val="0"/>
-              </a:spcAft>
-              <a:buNone/>
-            </a:pPr>
-            <a:endParaRPr sz="1000"/>
+            <a:endParaRPr sz="1000" dirty="0"/>
+          </a:p>
+          <a:p>
+            <a:pPr marL="0" lvl="0" indent="0" algn="l" rtl="0">
+              <a:spcBef>
+                <a:spcPts val="0"/>
+              </a:spcBef>
+              <a:spcAft>
+                <a:spcPts val="0"/>
+              </a:spcAft>
+              <a:buNone/>
+            </a:pPr>
+            <a:endParaRPr sz="1000" dirty="0"/>
+          </a:p>
+          <a:p>
+            <a:pPr marL="0" lvl="0" indent="0" algn="l" rtl="0">
+              <a:spcBef>
+                <a:spcPts val="0"/>
+              </a:spcBef>
+              <a:spcAft>
+                <a:spcPts val="0"/>
+              </a:spcAft>
+              <a:buNone/>
+            </a:pPr>
+            <a:endParaRPr sz="1000" dirty="0"/>
           </a:p>
           <a:p>
             <a:pPr marL="0" lvl="0" indent="0" algn="l" rtl="0">
@@ -28106,50 +28346,50 @@
               <a:buNone/>
             </a:pPr>
             <a:r>
-              <a:rPr lang="en" sz="1000"/>
+              <a:rPr lang="en" sz="1000" dirty="0"/>
               <a:t>$shapes = array(</a:t>
             </a:r>
             <a:br>
-              <a:rPr lang="en" sz="1000"/>
+              <a:rPr lang="en" sz="1000" dirty="0"/>
             </a:br>
             <a:r>
-              <a:rPr lang="en" sz="1000"/>
+              <a:rPr lang="en" sz="1000" dirty="0"/>
               <a:t>    new Circle(2),</a:t>
             </a:r>
             <a:br>
-              <a:rPr lang="en" sz="1000"/>
+              <a:rPr lang="en" sz="1000" dirty="0"/>
             </a:br>
             <a:r>
-              <a:rPr lang="en" sz="1000"/>
+              <a:rPr lang="en" sz="1000" dirty="0"/>
               <a:t>    new Square(5),</a:t>
             </a:r>
             <a:br>
-              <a:rPr lang="en" sz="1000"/>
+              <a:rPr lang="en" sz="1000" dirty="0"/>
             </a:br>
             <a:r>
-              <a:rPr lang="en" sz="1000"/>
+              <a:rPr lang="en" sz="1000" dirty="0"/>
               <a:t>    new Square(6)</a:t>
             </a:r>
             <a:br>
-              <a:rPr lang="en" sz="1000"/>
+              <a:rPr lang="en" sz="1000" dirty="0"/>
             </a:br>
             <a:r>
-              <a:rPr lang="en" sz="1000"/>
+              <a:rPr lang="en" sz="1000" dirty="0"/>
               <a:t>);</a:t>
             </a:r>
-            <a:endParaRPr sz="1000"/>
-          </a:p>
-          <a:p>
-            <a:pPr marL="0" lvl="0" indent="0" algn="l" rtl="0">
-              <a:spcBef>
-                <a:spcPts val="0"/>
-              </a:spcBef>
-              <a:spcAft>
-                <a:spcPts val="0"/>
-              </a:spcAft>
-              <a:buNone/>
-            </a:pPr>
-            <a:endParaRPr sz="1000"/>
+            <a:endParaRPr sz="1000" dirty="0"/>
+          </a:p>
+          <a:p>
+            <a:pPr marL="0" lvl="0" indent="0" algn="l" rtl="0">
+              <a:spcBef>
+                <a:spcPts val="0"/>
+              </a:spcBef>
+              <a:spcAft>
+                <a:spcPts val="0"/>
+              </a:spcAft>
+              <a:buNone/>
+            </a:pPr>
+            <a:endParaRPr sz="1000" dirty="0"/>
           </a:p>
           <a:p>
             <a:pPr marL="0" lvl="0" indent="0" algn="l" rtl="0">
@@ -28167,60 +28407,60 @@
               <a:buNone/>
             </a:pPr>
             <a:r>
-              <a:rPr lang="en" sz="1000"/>
+              <a:rPr lang="en" sz="1000" dirty="0"/>
               <a:t>$areas = new AreaCalculator($shapes);</a:t>
             </a:r>
             <a:br>
-              <a:rPr lang="en" sz="1000"/>
+              <a:rPr lang="en" sz="1000" dirty="0"/>
             </a:br>
             <a:r>
-              <a:rPr lang="en" sz="1000"/>
+              <a:rPr lang="en" sz="1000" dirty="0"/>
               <a:t/>
             </a:r>
             <a:br>
-              <a:rPr lang="en" sz="1000"/>
+              <a:rPr lang="en" sz="1000" dirty="0"/>
             </a:br>
             <a:r>
-              <a:rPr lang="en" sz="1000"/>
+              <a:rPr lang="en" sz="1000" dirty="0"/>
               <a:t>echo $areas-&gt;output();</a:t>
             </a:r>
-            <a:endParaRPr sz="1000"/>
-          </a:p>
-          <a:p>
-            <a:pPr marL="0" lvl="0" indent="0" algn="l" rtl="0">
-              <a:spcBef>
-                <a:spcPts val="0"/>
-              </a:spcBef>
-              <a:spcAft>
-                <a:spcPts val="0"/>
-              </a:spcAft>
-              <a:buNone/>
-            </a:pPr>
-            <a:endParaRPr sz="1000"/>
-          </a:p>
-          <a:p>
-            <a:pPr marL="0" lvl="0" indent="0" algn="l" rtl="0">
-              <a:spcBef>
-                <a:spcPts val="0"/>
-              </a:spcBef>
-              <a:spcAft>
-                <a:spcPts val="0"/>
-              </a:spcAft>
-              <a:buNone/>
-            </a:pPr>
-            <a:endParaRPr sz="1000"/>
-          </a:p>
-          <a:p>
-            <a:pPr marL="0" lvl="0" indent="0" algn="l" rtl="0">
-              <a:spcBef>
-                <a:spcPts val="0"/>
-              </a:spcBef>
-              <a:spcAft>
-                <a:spcPts val="0"/>
-              </a:spcAft>
-              <a:buNone/>
-            </a:pPr>
-            <a:endParaRPr sz="1000" b="1">
+            <a:endParaRPr sz="1000" dirty="0"/>
+          </a:p>
+          <a:p>
+            <a:pPr marL="0" lvl="0" indent="0" algn="l" rtl="0">
+              <a:spcBef>
+                <a:spcPts val="0"/>
+              </a:spcBef>
+              <a:spcAft>
+                <a:spcPts val="0"/>
+              </a:spcAft>
+              <a:buNone/>
+            </a:pPr>
+            <a:endParaRPr sz="1000" dirty="0"/>
+          </a:p>
+          <a:p>
+            <a:pPr marL="0" lvl="0" indent="0" algn="l" rtl="0">
+              <a:spcBef>
+                <a:spcPts val="0"/>
+              </a:spcBef>
+              <a:spcAft>
+                <a:spcPts val="0"/>
+              </a:spcAft>
+              <a:buNone/>
+            </a:pPr>
+            <a:endParaRPr sz="1000" dirty="0"/>
+          </a:p>
+          <a:p>
+            <a:pPr marL="0" lvl="0" indent="0" algn="l" rtl="0">
+              <a:spcBef>
+                <a:spcPts val="0"/>
+              </a:spcBef>
+              <a:spcAft>
+                <a:spcPts val="0"/>
+              </a:spcAft>
+              <a:buNone/>
+            </a:pPr>
+            <a:endParaRPr sz="1000" b="1" dirty="0">
               <a:solidFill>
                 <a:srgbClr val="38761D"/>
               </a:solidFill>
@@ -28491,11 +28731,7 @@
             </a:r>
             <a:r>
               <a:rPr lang="en" sz="1000" dirty="0"/>
-              <a:t>= new </a:t>
-            </a:r>
-            <a:r>
-              <a:rPr lang="en" sz="1000" dirty="0"/>
-              <a:t>SumCalculatorOutputter</a:t>
+              <a:t>= new SumCalculatorOutputter</a:t>
             </a:r>
             <a:r>
               <a:rPr lang="en" sz="1000" dirty="0" smtClean="0"/>
